--- a/기획서/1. UI 기획서.pptx
+++ b/기획서/1. UI 기획서.pptx
@@ -276,7 +276,7 @@
           <a:p>
             <a:fld id="{C3C2AF16-21EE-4805-A74D-444DD4234E93}" type="datetimeFigureOut">
               <a:rPr lang="ko-KR" altLang="en-US" smtClean="0"/>
-              <a:t>2022-10-09</a:t>
+              <a:t>2022-11-15</a:t>
             </a:fld>
             <a:endParaRPr lang="ko-KR" altLang="en-US"/>
           </a:p>
@@ -474,7 +474,7 @@
           <a:p>
             <a:fld id="{C3C2AF16-21EE-4805-A74D-444DD4234E93}" type="datetimeFigureOut">
               <a:rPr lang="ko-KR" altLang="en-US" smtClean="0"/>
-              <a:t>2022-10-09</a:t>
+              <a:t>2022-11-15</a:t>
             </a:fld>
             <a:endParaRPr lang="ko-KR" altLang="en-US"/>
           </a:p>
@@ -682,7 +682,7 @@
           <a:p>
             <a:fld id="{C3C2AF16-21EE-4805-A74D-444DD4234E93}" type="datetimeFigureOut">
               <a:rPr lang="ko-KR" altLang="en-US" smtClean="0"/>
-              <a:t>2022-10-09</a:t>
+              <a:t>2022-11-15</a:t>
             </a:fld>
             <a:endParaRPr lang="ko-KR" altLang="en-US"/>
           </a:p>
@@ -880,7 +880,7 @@
           <a:p>
             <a:fld id="{C3C2AF16-21EE-4805-A74D-444DD4234E93}" type="datetimeFigureOut">
               <a:rPr lang="ko-KR" altLang="en-US" smtClean="0"/>
-              <a:t>2022-10-09</a:t>
+              <a:t>2022-11-15</a:t>
             </a:fld>
             <a:endParaRPr lang="ko-KR" altLang="en-US"/>
           </a:p>
@@ -1155,7 +1155,7 @@
           <a:p>
             <a:fld id="{C3C2AF16-21EE-4805-A74D-444DD4234E93}" type="datetimeFigureOut">
               <a:rPr lang="ko-KR" altLang="en-US" smtClean="0"/>
-              <a:t>2022-10-09</a:t>
+              <a:t>2022-11-15</a:t>
             </a:fld>
             <a:endParaRPr lang="ko-KR" altLang="en-US"/>
           </a:p>
@@ -1420,7 +1420,7 @@
           <a:p>
             <a:fld id="{C3C2AF16-21EE-4805-A74D-444DD4234E93}" type="datetimeFigureOut">
               <a:rPr lang="ko-KR" altLang="en-US" smtClean="0"/>
-              <a:t>2022-10-09</a:t>
+              <a:t>2022-11-15</a:t>
             </a:fld>
             <a:endParaRPr lang="ko-KR" altLang="en-US"/>
           </a:p>
@@ -1832,7 +1832,7 @@
           <a:p>
             <a:fld id="{C3C2AF16-21EE-4805-A74D-444DD4234E93}" type="datetimeFigureOut">
               <a:rPr lang="ko-KR" altLang="en-US" smtClean="0"/>
-              <a:t>2022-10-09</a:t>
+              <a:t>2022-11-15</a:t>
             </a:fld>
             <a:endParaRPr lang="ko-KR" altLang="en-US"/>
           </a:p>
@@ -1973,7 +1973,7 @@
           <a:p>
             <a:fld id="{C3C2AF16-21EE-4805-A74D-444DD4234E93}" type="datetimeFigureOut">
               <a:rPr lang="ko-KR" altLang="en-US" smtClean="0"/>
-              <a:t>2022-10-09</a:t>
+              <a:t>2022-11-15</a:t>
             </a:fld>
             <a:endParaRPr lang="ko-KR" altLang="en-US"/>
           </a:p>
@@ -2086,7 +2086,7 @@
           <a:p>
             <a:fld id="{C3C2AF16-21EE-4805-A74D-444DD4234E93}" type="datetimeFigureOut">
               <a:rPr lang="ko-KR" altLang="en-US" smtClean="0"/>
-              <a:t>2022-10-09</a:t>
+              <a:t>2022-11-15</a:t>
             </a:fld>
             <a:endParaRPr lang="ko-KR" altLang="en-US"/>
           </a:p>
@@ -2397,7 +2397,7 @@
           <a:p>
             <a:fld id="{C3C2AF16-21EE-4805-A74D-444DD4234E93}" type="datetimeFigureOut">
               <a:rPr lang="ko-KR" altLang="en-US" smtClean="0"/>
-              <a:t>2022-10-09</a:t>
+              <a:t>2022-11-15</a:t>
             </a:fld>
             <a:endParaRPr lang="ko-KR" altLang="en-US"/>
           </a:p>
@@ -2685,7 +2685,7 @@
           <a:p>
             <a:fld id="{C3C2AF16-21EE-4805-A74D-444DD4234E93}" type="datetimeFigureOut">
               <a:rPr lang="ko-KR" altLang="en-US" smtClean="0"/>
-              <a:t>2022-10-09</a:t>
+              <a:t>2022-11-15</a:t>
             </a:fld>
             <a:endParaRPr lang="ko-KR" altLang="en-US"/>
           </a:p>
@@ -2926,7 +2926,7 @@
           <a:p>
             <a:fld id="{C3C2AF16-21EE-4805-A74D-444DD4234E93}" type="datetimeFigureOut">
               <a:rPr lang="ko-KR" altLang="en-US" smtClean="0"/>
-              <a:t>2022-10-09</a:t>
+              <a:t>2022-11-15</a:t>
             </a:fld>
             <a:endParaRPr lang="ko-KR" altLang="en-US"/>
           </a:p>
@@ -4801,14 +4801,14 @@
           <p:nvPr>
             <p:extLst>
               <p:ext uri="{D42A27DB-BD31-4B8C-83A1-F6EECF244321}">
-                <p14:modId xmlns:p14="http://schemas.microsoft.com/office/powerpoint/2010/main" val="1964989123"/>
+                <p14:modId xmlns:p14="http://schemas.microsoft.com/office/powerpoint/2010/main" val="47179888"/>
               </p:ext>
             </p:extLst>
           </p:nvPr>
         </p:nvGraphicFramePr>
         <p:xfrm>
           <a:off x="4506437" y="1482329"/>
-          <a:ext cx="7047505" cy="1135380"/>
+          <a:ext cx="7047505" cy="739140"/>
         </p:xfrm>
         <a:graphic>
           <a:graphicData uri="http://schemas.openxmlformats.org/drawingml/2006/table">
@@ -4954,7 +4954,7 @@
                       <a:pPr algn="l" latinLnBrk="1"/>
                       <a:r>
                         <a:rPr lang="ko-KR" altLang="en-US" sz="1000" dirty="0"/>
-                        <a:t>추후 완성 후 업로드 예정</a:t>
+                        <a:t>플레이 이미지</a:t>
                       </a:r>
                     </a:p>
                   </a:txBody>
@@ -4966,7 +4966,10 @@
                     <a:lstStyle/>
                     <a:p>
                       <a:pPr algn="l" latinLnBrk="1"/>
-                      <a:endParaRPr lang="ko-KR" altLang="en-US" sz="1000" dirty="0"/>
+                      <a:r>
+                        <a:rPr lang="ko-KR" altLang="en-US" sz="1000" dirty="0"/>
+                        <a:t>이미지</a:t>
+                      </a:r>
                     </a:p>
                   </a:txBody>
                   <a:tcPr/>
@@ -4977,7 +4980,10 @@
                     <a:lstStyle/>
                     <a:p>
                       <a:pPr algn="l" latinLnBrk="1"/>
-                      <a:endParaRPr lang="ko-KR" altLang="en-US" sz="1000" dirty="0"/>
+                      <a:r>
+                        <a:rPr lang="ko-KR" altLang="en-US" sz="1000" dirty="0"/>
+                        <a:t>클릭 시 다음 화면 이동 가이드가 끝나면 메인 화면으로</a:t>
+                      </a:r>
                     </a:p>
                   </a:txBody>
                   <a:tcPr/>
@@ -5010,7 +5016,10 @@
                     <a:lstStyle/>
                     <a:p>
                       <a:pPr algn="l" latinLnBrk="1"/>
-                      <a:endParaRPr lang="ko-KR" altLang="en-US" sz="1000" dirty="0"/>
+                      <a:r>
+                        <a:rPr lang="ko-KR" altLang="en-US" sz="1000" dirty="0"/>
+                        <a:t>안내 텍스트</a:t>
+                      </a:r>
                     </a:p>
                   </a:txBody>
                   <a:tcPr/>
@@ -5021,7 +5030,10 @@
                     <a:lstStyle/>
                     <a:p>
                       <a:pPr algn="l" latinLnBrk="1"/>
-                      <a:endParaRPr lang="ko-KR" altLang="en-US" sz="1000" dirty="0"/>
+                      <a:r>
+                        <a:rPr lang="ko-KR" altLang="en-US" sz="1000" dirty="0"/>
+                        <a:t>텍스트</a:t>
+                      </a:r>
                     </a:p>
                   </a:txBody>
                   <a:tcPr/>
@@ -5032,6 +5044,10 @@
                     <a:lstStyle/>
                     <a:p>
                       <a:pPr algn="l" latinLnBrk="1"/>
+                      <a:r>
+                        <a:rPr lang="ko-KR" altLang="en-US" sz="1000"/>
+                        <a:t>기본 안내 텍스트 출력</a:t>
+                      </a:r>
                       <a:endParaRPr lang="ko-KR" altLang="en-US" sz="1000" dirty="0"/>
                     </a:p>
                   </a:txBody>
@@ -5040,60 +5056,6 @@
                 <a:extLst>
                   <a:ext uri="{0D108BD9-81ED-4DB2-BD59-A6C34878D82A}">
                     <a16:rowId xmlns:a16="http://schemas.microsoft.com/office/drawing/2014/main" val="3439546195"/>
-                  </a:ext>
-                </a:extLst>
-              </a:tr>
-              <a:tr h="121920">
-                <a:tc>
-                  <a:txBody>
-                    <a:bodyPr/>
-                    <a:lstStyle/>
-                    <a:p>
-                      <a:pPr algn="ctr" latinLnBrk="1"/>
-                      <a:r>
-                        <a:rPr lang="en-US" altLang="ko-KR" sz="1000" dirty="0"/>
-                        <a:t>3</a:t>
-                      </a:r>
-                    </a:p>
-                  </a:txBody>
-                  <a:tcPr/>
-                </a:tc>
-                <a:tc>
-                  <a:txBody>
-                    <a:bodyPr/>
-                    <a:lstStyle/>
-                    <a:p>
-                      <a:pPr algn="l" latinLnBrk="1"/>
-                      <a:endParaRPr lang="ko-KR" altLang="en-US" sz="1000" dirty="0"/>
-                    </a:p>
-                  </a:txBody>
-                  <a:tcPr/>
-                </a:tc>
-                <a:tc>
-                  <a:txBody>
-                    <a:bodyPr/>
-                    <a:lstStyle/>
-                    <a:p>
-                      <a:pPr algn="l" latinLnBrk="1"/>
-                      <a:endParaRPr lang="ko-KR" altLang="en-US" sz="1000" dirty="0"/>
-                    </a:p>
-                  </a:txBody>
-                  <a:tcPr/>
-                </a:tc>
-                <a:tc>
-                  <a:txBody>
-                    <a:bodyPr/>
-                    <a:lstStyle/>
-                    <a:p>
-                      <a:pPr algn="l" latinLnBrk="1"/>
-                      <a:endParaRPr lang="ko-KR" altLang="en-US" sz="1000" dirty="0"/>
-                    </a:p>
-                  </a:txBody>
-                  <a:tcPr/>
-                </a:tc>
-                <a:extLst>
-                  <a:ext uri="{0D108BD9-81ED-4DB2-BD59-A6C34878D82A}">
-                    <a16:rowId xmlns:a16="http://schemas.microsoft.com/office/drawing/2014/main" val="2287023837"/>
                   </a:ext>
                 </a:extLst>
               </a:tr>
@@ -5103,10 +5065,10 @@
       </p:graphicFrame>
       <p:sp>
         <p:nvSpPr>
-          <p:cNvPr id="3" name="직사각형 2">
-            <a:extLst>
-              <a:ext uri="{FF2B5EF4-FFF2-40B4-BE49-F238E27FC236}">
-                <a16:creationId xmlns:a16="http://schemas.microsoft.com/office/drawing/2014/main" id="{5EC8F55B-7A0F-C5BB-6A37-CFA2756B19C5}"/>
+          <p:cNvPr id="5" name="직사각형 4">
+            <a:extLst>
+              <a:ext uri="{FF2B5EF4-FFF2-40B4-BE49-F238E27FC236}">
+                <a16:creationId xmlns:a16="http://schemas.microsoft.com/office/drawing/2014/main" id="{3E15979E-1BA5-757A-4292-2D8C243FCF02}"/>
               </a:ext>
             </a:extLst>
           </p:cNvPr>
@@ -5115,8 +5077,8 @@
         </p:nvSpPr>
         <p:spPr>
           <a:xfrm>
-            <a:off x="1620193" y="3311238"/>
-            <a:ext cx="1134208" cy="351692"/>
+            <a:off x="1228646" y="1698326"/>
+            <a:ext cx="1917299" cy="3282747"/>
           </a:xfrm>
           <a:prstGeom prst="rect">
             <a:avLst/>
@@ -5141,16 +5103,27 @@
           <a:lstStyle/>
           <a:p>
             <a:pPr algn="ctr"/>
-            <a:endParaRPr lang="ko-KR" altLang="en-US" dirty="0"/>
-          </a:p>
-        </p:txBody>
-      </p:sp>
-      <p:sp>
-        <p:nvSpPr>
-          <p:cNvPr id="5" name="직사각형 4">
-            <a:extLst>
-              <a:ext uri="{FF2B5EF4-FFF2-40B4-BE49-F238E27FC236}">
-                <a16:creationId xmlns:a16="http://schemas.microsoft.com/office/drawing/2014/main" id="{3E15979E-1BA5-757A-4292-2D8C243FCF02}"/>
+            <a:r>
+              <a:rPr lang="ko-KR" altLang="en-US" dirty="0"/>
+              <a:t>플레이</a:t>
+            </a:r>
+            <a:endParaRPr lang="en-US" altLang="ko-KR" dirty="0"/>
+          </a:p>
+          <a:p>
+            <a:pPr algn="ctr"/>
+            <a:r>
+              <a:rPr lang="ko-KR" altLang="en-US" dirty="0"/>
+              <a:t>이미지</a:t>
+            </a:r>
+          </a:p>
+        </p:txBody>
+      </p:sp>
+      <p:sp>
+        <p:nvSpPr>
+          <p:cNvPr id="7" name="직사각형 6">
+            <a:extLst>
+              <a:ext uri="{FF2B5EF4-FFF2-40B4-BE49-F238E27FC236}">
+                <a16:creationId xmlns:a16="http://schemas.microsoft.com/office/drawing/2014/main" id="{8A402691-FB29-B860-5CB7-6D2A1DEFC617}"/>
               </a:ext>
             </a:extLst>
           </p:cNvPr>
@@ -5159,8 +5132,8 @@
         </p:nvSpPr>
         <p:spPr>
           <a:xfrm>
-            <a:off x="1620193" y="3906100"/>
-            <a:ext cx="1134208" cy="351692"/>
+            <a:off x="1228647" y="5319294"/>
+            <a:ext cx="1917299" cy="579153"/>
           </a:xfrm>
           <a:prstGeom prst="rect">
             <a:avLst/>
@@ -5185,51 +5158,10 @@
           <a:lstStyle/>
           <a:p>
             <a:pPr algn="ctr"/>
-            <a:endParaRPr lang="ko-KR" altLang="en-US" dirty="0"/>
-          </a:p>
-        </p:txBody>
-      </p:sp>
-      <p:sp>
-        <p:nvSpPr>
-          <p:cNvPr id="7" name="직사각형 6">
-            <a:extLst>
-              <a:ext uri="{FF2B5EF4-FFF2-40B4-BE49-F238E27FC236}">
-                <a16:creationId xmlns:a16="http://schemas.microsoft.com/office/drawing/2014/main" id="{8A402691-FB29-B860-5CB7-6D2A1DEFC617}"/>
-              </a:ext>
-            </a:extLst>
-          </p:cNvPr>
-          <p:cNvSpPr/>
-          <p:nvPr/>
-        </p:nvSpPr>
-        <p:spPr>
-          <a:xfrm>
-            <a:off x="1822416" y="1990607"/>
-            <a:ext cx="1134208" cy="351692"/>
-          </a:xfrm>
-          <a:prstGeom prst="rect">
-            <a:avLst/>
-          </a:prstGeom>
-        </p:spPr>
-        <p:style>
-          <a:lnRef idx="2">
-            <a:schemeClr val="dk1"/>
-          </a:lnRef>
-          <a:fillRef idx="1">
-            <a:schemeClr val="lt1"/>
-          </a:fillRef>
-          <a:effectRef idx="0">
-            <a:schemeClr val="dk1"/>
-          </a:effectRef>
-          <a:fontRef idx="minor">
-            <a:schemeClr val="dk1"/>
-          </a:fontRef>
-        </p:style>
-        <p:txBody>
-          <a:bodyPr rtlCol="0" anchor="ctr"/>
-          <a:lstStyle/>
-          <a:p>
-            <a:pPr algn="ctr"/>
-            <a:endParaRPr lang="ko-KR" altLang="en-US" dirty="0"/>
+            <a:r>
+              <a:rPr lang="ko-KR" altLang="en-US" dirty="0"/>
+              <a:t>안내 텍스트</a:t>
+            </a:r>
           </a:p>
         </p:txBody>
       </p:sp>
@@ -19631,10 +19563,16 @@
               <a:t>는 </a:t>
             </a:r>
             <a:r>
+              <a:rPr lang="en-US" altLang="ko-KR" sz="1000">
+                <a:latin typeface="+mj-lt"/>
+              </a:rPr>
+              <a:t>1180</a:t>
+            </a:r>
+            <a:r>
               <a:rPr lang="en-US" altLang="ko-KR" sz="1000" dirty="0">
                 <a:latin typeface="+mj-lt"/>
               </a:rPr>
-              <a:t>1080(W) * 2280(H) </a:t>
+              <a:t>(W) * 2280(H) </a:t>
             </a:r>
             <a:r>
               <a:rPr lang="ko-KR" altLang="en-US" sz="1000" dirty="0">
